--- a/images/deconvolution.pptx
+++ b/images/deconvolution.pptx
@@ -105,6 +105,11 @@
       </a:defRPr>
     </a:lvl9pPr>
   </p:defaultTextStyle>
+  <p:extLst>
+    <p:ext uri="{EFAFB233-063F-42B5-8137-9DF3F51BA10A}">
+      <p15:sldGuideLst xmlns:p15="http://schemas.microsoft.com/office/powerpoint/2012/main"/>
+    </p:ext>
+  </p:extLst>
 </p:presentation>
 </file>
 
@@ -239,7 +244,7 @@
           <a:p>
             <a:fld id="{754BFD67-B5E4-5844-BC1C-76258A752F46}" type="datetimeFigureOut">
               <a:rPr kumimoji="1" lang="ja-JP" altLang="en-US" smtClean="0"/>
-              <a:t>2022/12/4</a:t>
+              <a:t>2022/12/17</a:t>
             </a:fld>
             <a:endParaRPr kumimoji="1" lang="ja-JP" altLang="en-US"/>
           </a:p>
@@ -441,7 +446,7 @@
           <a:p>
             <a:fld id="{754BFD67-B5E4-5844-BC1C-76258A752F46}" type="datetimeFigureOut">
               <a:rPr kumimoji="1" lang="ja-JP" altLang="en-US" smtClean="0"/>
-              <a:t>2022/12/4</a:t>
+              <a:t>2022/12/17</a:t>
             </a:fld>
             <a:endParaRPr kumimoji="1" lang="ja-JP" altLang="en-US"/>
           </a:p>
@@ -653,7 +658,7 @@
           <a:p>
             <a:fld id="{754BFD67-B5E4-5844-BC1C-76258A752F46}" type="datetimeFigureOut">
               <a:rPr kumimoji="1" lang="ja-JP" altLang="en-US" smtClean="0"/>
-              <a:t>2022/12/4</a:t>
+              <a:t>2022/12/17</a:t>
             </a:fld>
             <a:endParaRPr kumimoji="1" lang="ja-JP" altLang="en-US"/>
           </a:p>
@@ -855,7 +860,7 @@
           <a:p>
             <a:fld id="{754BFD67-B5E4-5844-BC1C-76258A752F46}" type="datetimeFigureOut">
               <a:rPr kumimoji="1" lang="ja-JP" altLang="en-US" smtClean="0"/>
-              <a:t>2022/12/4</a:t>
+              <a:t>2022/12/17</a:t>
             </a:fld>
             <a:endParaRPr kumimoji="1" lang="ja-JP" altLang="en-US"/>
           </a:p>
@@ -1101,7 +1106,7 @@
           <a:p>
             <a:fld id="{754BFD67-B5E4-5844-BC1C-76258A752F46}" type="datetimeFigureOut">
               <a:rPr kumimoji="1" lang="ja-JP" altLang="en-US" smtClean="0"/>
-              <a:t>2022/12/4</a:t>
+              <a:t>2022/12/17</a:t>
             </a:fld>
             <a:endParaRPr kumimoji="1" lang="ja-JP" altLang="en-US"/>
           </a:p>
@@ -1397,7 +1402,7 @@
           <a:p>
             <a:fld id="{754BFD67-B5E4-5844-BC1C-76258A752F46}" type="datetimeFigureOut">
               <a:rPr kumimoji="1" lang="ja-JP" altLang="en-US" smtClean="0"/>
-              <a:t>2022/12/4</a:t>
+              <a:t>2022/12/17</a:t>
             </a:fld>
             <a:endParaRPr kumimoji="1" lang="ja-JP" altLang="en-US"/>
           </a:p>
@@ -1828,7 +1833,7 @@
           <a:p>
             <a:fld id="{754BFD67-B5E4-5844-BC1C-76258A752F46}" type="datetimeFigureOut">
               <a:rPr kumimoji="1" lang="ja-JP" altLang="en-US" smtClean="0"/>
-              <a:t>2022/12/4</a:t>
+              <a:t>2022/12/17</a:t>
             </a:fld>
             <a:endParaRPr kumimoji="1" lang="ja-JP" altLang="en-US"/>
           </a:p>
@@ -1946,7 +1951,7 @@
           <a:p>
             <a:fld id="{754BFD67-B5E4-5844-BC1C-76258A752F46}" type="datetimeFigureOut">
               <a:rPr kumimoji="1" lang="ja-JP" altLang="en-US" smtClean="0"/>
-              <a:t>2022/12/4</a:t>
+              <a:t>2022/12/17</a:t>
             </a:fld>
             <a:endParaRPr kumimoji="1" lang="ja-JP" altLang="en-US"/>
           </a:p>
@@ -2041,7 +2046,7 @@
           <a:p>
             <a:fld id="{754BFD67-B5E4-5844-BC1C-76258A752F46}" type="datetimeFigureOut">
               <a:rPr kumimoji="1" lang="ja-JP" altLang="en-US" smtClean="0"/>
-              <a:t>2022/12/4</a:t>
+              <a:t>2022/12/17</a:t>
             </a:fld>
             <a:endParaRPr kumimoji="1" lang="ja-JP" altLang="en-US"/>
           </a:p>
@@ -2350,7 +2355,7 @@
           <a:p>
             <a:fld id="{754BFD67-B5E4-5844-BC1C-76258A752F46}" type="datetimeFigureOut">
               <a:rPr kumimoji="1" lang="ja-JP" altLang="en-US" smtClean="0"/>
-              <a:t>2022/12/4</a:t>
+              <a:t>2022/12/17</a:t>
             </a:fld>
             <a:endParaRPr kumimoji="1" lang="ja-JP" altLang="en-US"/>
           </a:p>
@@ -2607,7 +2612,7 @@
           <a:p>
             <a:fld id="{754BFD67-B5E4-5844-BC1C-76258A752F46}" type="datetimeFigureOut">
               <a:rPr kumimoji="1" lang="ja-JP" altLang="en-US" smtClean="0"/>
-              <a:t>2022/12/4</a:t>
+              <a:t>2022/12/17</a:t>
             </a:fld>
             <a:endParaRPr kumimoji="1" lang="ja-JP" altLang="en-US"/>
           </a:p>
@@ -2852,7 +2857,7 @@
           <a:p>
             <a:fld id="{754BFD67-B5E4-5844-BC1C-76258A752F46}" type="datetimeFigureOut">
               <a:rPr kumimoji="1" lang="ja-JP" altLang="en-US" smtClean="0"/>
-              <a:t>2022/12/4</a:t>
+              <a:t>2022/12/17</a:t>
             </a:fld>
             <a:endParaRPr kumimoji="1" lang="ja-JP" altLang="en-US"/>
           </a:p>
@@ -3300,8 +3305,8 @@
         </p:nvSpPr>
         <p:spPr>
           <a:xfrm>
-            <a:off x="2995452" y="142880"/>
-            <a:ext cx="3724096" cy="523220"/>
+            <a:off x="4188156" y="142880"/>
+            <a:ext cx="1704313" cy="523220"/>
           </a:xfrm>
           <a:prstGeom prst="rect">
             <a:avLst/>
@@ -3319,7 +3324,7 @@
                 <a:latin typeface="Arial" panose="020B0604020202020204" pitchFamily="34" charset="0"/>
                 <a:cs typeface="Arial" panose="020B0604020202020204" pitchFamily="34" charset="0"/>
               </a:rPr>
-              <a:t>Without deconvolution</a:t>
+              <a:t>Raw data</a:t>
             </a:r>
             <a:endParaRPr lang="ja-JP" altLang="en-US" sz="2800">
               <a:latin typeface="Arial" panose="020B0604020202020204" pitchFamily="34" charset="0"/>
@@ -3507,8 +3512,8 @@
         </p:nvSpPr>
         <p:spPr>
           <a:xfrm>
-            <a:off x="1406642" y="143452"/>
-            <a:ext cx="7263527" cy="523220"/>
+            <a:off x="2057091" y="143452"/>
+            <a:ext cx="6183103" cy="523220"/>
           </a:xfrm>
           <a:prstGeom prst="rect">
             <a:avLst/>
@@ -3526,7 +3531,7 @@
                 <a:latin typeface="Arial" panose="020B0604020202020204" pitchFamily="34" charset="0"/>
                 <a:cs typeface="Arial" panose="020B0604020202020204" pitchFamily="34" charset="0"/>
               </a:rPr>
-              <a:t>Deconvoluted image with a reconstructed tip</a:t>
+              <a:t>Deconvoluted with a reconstructed tip</a:t>
             </a:r>
             <a:endParaRPr lang="ja-JP" altLang="en-US" sz="2800">
               <a:latin typeface="Arial" panose="020B0604020202020204" pitchFamily="34" charset="0"/>
